--- a/django_lectures/Django Level Three.pptx
+++ b/django_lectures/Django Level Three.pptx
@@ -80,16 +80,16 @@
   <p:notesSz cx="6858000" cy="9144000"/>
   <p:embeddedFontLst>
     <p:embeddedFont>
-      <p:font typeface="Inconsolata" panose="020B0604020202020204" charset="0"/>
+      <p:font typeface="Montserrat" panose="00000500000000000000" pitchFamily="2" charset="0"/>
       <p:regular r:id="rId70"/>
       <p:bold r:id="rId71"/>
+      <p:italic r:id="rId72"/>
+      <p:boldItalic r:id="rId73"/>
     </p:embeddedFont>
     <p:embeddedFont>
-      <p:font typeface="Montserrat" panose="00000500000000000000" pitchFamily="2" charset="0"/>
-      <p:regular r:id="rId72"/>
-      <p:bold r:id="rId73"/>
-      <p:italic r:id="rId74"/>
-      <p:boldItalic r:id="rId75"/>
+      <p:font typeface="Inconsolata" panose="020B0604020202020204" charset="0"/>
+      <p:regular r:id="rId74"/>
+      <p:bold r:id="rId75"/>
     </p:embeddedFont>
   </p:embeddedFontLst>
   <p:defaultTextStyle>
@@ -321,6 +321,11 @@
       </a:defRPr>
     </a:lvl9pPr>
   </p:defaultTextStyle>
+  <p:extLst>
+    <p:ext uri="{EFAFB233-063F-42B5-8137-9DF3F51BA10A}">
+      <p15:sldGuideLst xmlns:p15="http://schemas.microsoft.com/office/powerpoint/2012/main"/>
+    </p:ext>
+  </p:extLst>
 </p:presentation>
 </file>
 
@@ -13633,7 +13638,7 @@
               <a:buNone/>
             </a:pPr>
             <a:r>
-              <a:rPr lang="en">
+              <a:rPr lang="en" dirty="0">
                 <a:latin typeface="Montserrat"/>
                 <a:ea typeface="Montserrat"/>
                 <a:cs typeface="Montserrat"/>
@@ -13641,7 +13646,7 @@
               </a:rPr>
               <a:t>Django</a:t>
             </a:r>
-            <a:endParaRPr>
+            <a:endParaRPr dirty="0">
               <a:latin typeface="Montserrat"/>
               <a:ea typeface="Montserrat"/>
               <a:cs typeface="Montserrat"/>
@@ -13693,7 +13698,7 @@
               <a:buChar char="●"/>
             </a:pPr>
             <a:r>
-              <a:rPr lang="en" sz="3000">
+              <a:rPr lang="en" sz="3000" dirty="0">
                 <a:latin typeface="Montserrat"/>
                 <a:ea typeface="Montserrat"/>
                 <a:cs typeface="Montserrat"/>
@@ -13701,7 +13706,7 @@
               </a:rPr>
               <a:t>We can then create the templates folder along with the html file that will hold the template tagging for the form.</a:t>
             </a:r>
-            <a:endParaRPr sz="3000">
+            <a:endParaRPr sz="3000" dirty="0">
               <a:latin typeface="Montserrat"/>
               <a:ea typeface="Montserrat"/>
               <a:cs typeface="Montserrat"/>
@@ -13724,7 +13729,7 @@
               <a:buChar char="●"/>
             </a:pPr>
             <a:r>
-              <a:rPr lang="en" sz="3000">
+              <a:rPr lang="en" sz="3000" dirty="0">
                 <a:latin typeface="Montserrat"/>
                 <a:ea typeface="Montserrat"/>
                 <a:cs typeface="Montserrat"/>
@@ -13732,7 +13737,7 @@
               </a:rPr>
               <a:t>Remember to update the settings.py file to reflect the TEMPLATE_DIR variable!</a:t>
             </a:r>
-            <a:endParaRPr sz="3000">
+            <a:endParaRPr sz="3000" dirty="0">
               <a:latin typeface="Montserrat"/>
               <a:ea typeface="Montserrat"/>
               <a:cs typeface="Montserrat"/>
@@ -13755,7 +13760,7 @@
               <a:buChar char="●"/>
             </a:pPr>
             <a:r>
-              <a:rPr lang="en" sz="3000">
+              <a:rPr lang="en" sz="3000" dirty="0">
                 <a:latin typeface="Montserrat"/>
                 <a:ea typeface="Montserrat"/>
                 <a:cs typeface="Montserrat"/>
@@ -13763,7 +13768,7 @@
               </a:rPr>
               <a:t>Also remember that your views should reflect subdirectories inside templates!</a:t>
             </a:r>
-            <a:endParaRPr sz="3000">
+            <a:endParaRPr sz="3000" dirty="0">
               <a:latin typeface="Montserrat"/>
               <a:ea typeface="Montserrat"/>
               <a:cs typeface="Montserrat"/>
